--- a/node/lesson-57-building-web-servers/building-web-servers.pptx
+++ b/node/lesson-57-building-web-servers/building-web-servers.pptx
@@ -6472,7 +6472,24 @@
                 <a:latin typeface="Monaco"/>
                 <a:cs typeface="Monaco"/>
               </a:rPr>
-              <a:t>'http'</a:t>
+              <a:t>'</a:t>
+            </a:r>
+            <a:r>
+              <a:rPr lang="en-US" sz="2000" dirty="0" smtClean="0">
+                <a:solidFill>
+                  <a:srgbClr val="FF0000"/>
+                </a:solidFill>
+                <a:latin typeface="Monaco"/>
+                <a:cs typeface="Monaco"/>
+              </a:rPr>
+              <a:t>http</a:t>
+            </a:r>
+            <a:r>
+              <a:rPr lang="en-US" sz="2000" dirty="0" smtClean="0">
+                <a:latin typeface="Monaco"/>
+                <a:cs typeface="Monaco"/>
+              </a:rPr>
+              <a:t>'</a:t>
             </a:r>
             <a:r>
               <a:rPr lang="en-US" dirty="0" smtClean="0"/>

--- a/node/lesson-57-building-web-servers/building-web-servers.pptx
+++ b/node/lesson-57-building-web-servers/building-web-servers.pptx
@@ -3137,14 +3137,25 @@
           <a:p>
             <a:r>
               <a:rPr lang="en-US" sz="2000" dirty="0" err="1" smtClean="0">
+                <a:solidFill>
+                  <a:srgbClr val="FF0000"/>
+                </a:solidFill>
                 <a:latin typeface="Monaco"/>
                 <a:cs typeface="Monaco"/>
               </a:rPr>
               <a:t>request.url</a:t>
             </a:r>
             <a:r>
+              <a:rPr lang="en-US" dirty="0" smtClean="0">
+                <a:solidFill>
+                  <a:srgbClr val="FF0000"/>
+                </a:solidFill>
+              </a:rPr>
+              <a:t> </a:t>
+            </a:r>
+            <a:r>
               <a:rPr lang="en-US" dirty="0" smtClean="0"/>
-              <a:t> contains the complete URL present in the HTTP request</a:t>
+              <a:t>contains the complete URL present in the HTTP request</a:t>
             </a:r>
           </a:p>
           <a:p>
@@ -3165,6 +3176,9 @@
           <a:p>
             <a:r>
               <a:rPr lang="en-US" sz="1800" dirty="0" err="1" smtClean="0">
+                <a:solidFill>
+                  <a:srgbClr val="FF0000"/>
+                </a:solidFill>
                 <a:latin typeface="Monaco"/>
               </a:rPr>
               <a:t>url.parse</a:t>
@@ -3226,6 +3240,9 @@
           <a:p>
             <a:r>
               <a:rPr lang="en-US" sz="1800" dirty="0" err="1" smtClean="0">
+                <a:solidFill>
+                  <a:srgbClr val="FF0000"/>
+                </a:solidFill>
                 <a:latin typeface="Monaco"/>
               </a:rPr>
               <a:t>url.format</a:t>
@@ -4267,12 +4284,24 @@
               <a:t>Built-in </a:t>
             </a:r>
             <a:r>
-              <a:rPr lang="en-US" dirty="0" err="1" smtClean="0"/>
+              <a:rPr lang="en-US" dirty="0" err="1" smtClean="0">
+                <a:solidFill>
+                  <a:srgbClr val="FF0000"/>
+                </a:solidFill>
+              </a:rPr>
               <a:t>querystring</a:t>
             </a:r>
             <a:r>
+              <a:rPr lang="en-US" dirty="0" smtClean="0">
+                <a:solidFill>
+                  <a:srgbClr val="FF0000"/>
+                </a:solidFill>
+              </a:rPr>
+              <a:t> </a:t>
+            </a:r>
+            <a:r>
               <a:rPr lang="en-US" dirty="0" smtClean="0"/>
-              <a:t> module can parse the query string</a:t>
+              <a:t>module can parse the query string</a:t>
             </a:r>
           </a:p>
           <a:p>
@@ -4286,6 +4315,9 @@
             </a:r>
             <a:r>
               <a:rPr lang="en-US" sz="1800" dirty="0" err="1">
+                <a:solidFill>
+                  <a:srgbClr val="FF0000"/>
+                </a:solidFill>
                 <a:latin typeface="Monaco"/>
               </a:rPr>
               <a:t>url.parse</a:t>
@@ -4301,6 +4333,9 @@
           <a:p>
             <a:r>
               <a:rPr lang="en-US" sz="1800" dirty="0" err="1" smtClean="0">
+                <a:solidFill>
+                  <a:srgbClr val="FF0000"/>
+                </a:solidFill>
                 <a:latin typeface="Monaco"/>
               </a:rPr>
               <a:t>querystring.parse</a:t>
@@ -4335,6 +4370,9 @@
           <a:p>
             <a:r>
               <a:rPr lang="en-US" sz="1800" dirty="0" err="1" smtClean="0">
+                <a:solidFill>
+                  <a:srgbClr val="FF0000"/>
+                </a:solidFill>
                 <a:latin typeface="Monaco"/>
               </a:rPr>
               <a:t>querystring.stringify</a:t>
@@ -4366,7 +4404,15 @@
             <a:pPr lvl="1"/>
             <a:r>
               <a:rPr lang="en-US" dirty="0" smtClean="0"/>
-              <a:t>Renders and object into a query string</a:t>
+              <a:t>Renders </a:t>
+            </a:r>
+            <a:r>
+              <a:rPr lang="en-US" dirty="0" smtClean="0"/>
+              <a:t>an </a:t>
+            </a:r>
+            <a:r>
+              <a:rPr lang="en-US" dirty="0" smtClean="0"/>
+              <a:t>object into a query string</a:t>
             </a:r>
             <a:endParaRPr lang="en-US" dirty="0"/>
           </a:p>
@@ -5185,12 +5231,18 @@
             </a:r>
             <a:r>
               <a:rPr lang="en-US" sz="2000" dirty="0" err="1" smtClean="0">
+                <a:solidFill>
+                  <a:srgbClr val="FF0000"/>
+                </a:solidFill>
                 <a:latin typeface="Monaco"/>
                 <a:cs typeface="Monaco"/>
               </a:rPr>
               <a:t>http.ClientRequest</a:t>
             </a:r>
             <a:endParaRPr lang="en-US" sz="2000" dirty="0" smtClean="0">
+              <a:solidFill>
+                <a:srgbClr val="FF0000"/>
+              </a:solidFill>
               <a:latin typeface="Monaco"/>
               <a:cs typeface="Monaco"/>
             </a:endParaRPr>
@@ -5198,34 +5250,62 @@
           <a:p>
             <a:r>
               <a:rPr lang="en-US" sz="2000" dirty="0" err="1" smtClean="0">
+                <a:solidFill>
+                  <a:srgbClr val="FF0000"/>
+                </a:solidFill>
                 <a:latin typeface="Monaco"/>
                 <a:cs typeface="Monaco"/>
               </a:rPr>
               <a:t>ClientRequest</a:t>
             </a:r>
             <a:r>
+              <a:rPr lang="en-US" dirty="0" smtClean="0">
+                <a:solidFill>
+                  <a:srgbClr val="FF0000"/>
+                </a:solidFill>
+              </a:rPr>
+              <a:t> </a:t>
+            </a:r>
+            <a:r>
               <a:rPr lang="en-US" dirty="0" smtClean="0"/>
-              <a:t> is an </a:t>
+              <a:t>is an </a:t>
             </a:r>
             <a:r>
               <a:rPr lang="en-US" sz="2000" dirty="0" err="1" smtClean="0">
+                <a:solidFill>
+                  <a:srgbClr val="FF0000"/>
+                </a:solidFill>
                 <a:latin typeface="Monaco"/>
                 <a:cs typeface="Monaco"/>
               </a:rPr>
               <a:t>event.Emitter</a:t>
             </a:r>
             <a:r>
+              <a:rPr lang="en-US" dirty="0" smtClean="0">
+                <a:solidFill>
+                  <a:srgbClr val="FF0000"/>
+                </a:solidFill>
+              </a:rPr>
+              <a:t> </a:t>
+            </a:r>
+            <a:r>
               <a:rPr lang="en-US" dirty="0" smtClean="0"/>
-              <a:t> that implements </a:t>
+              <a:t>that implements </a:t>
             </a:r>
             <a:r>
               <a:rPr lang="en-US" sz="2000" dirty="0" err="1" smtClean="0">
+                <a:solidFill>
+                  <a:srgbClr val="FF0000"/>
+                </a:solidFill>
                 <a:latin typeface="Monaco"/>
                 <a:cs typeface="Monaco"/>
               </a:rPr>
               <a:t>stream.Writable</a:t>
             </a:r>
             <a:endParaRPr lang="en-US" sz="2000" dirty="0" smtClean="0">
+              <a:solidFill>
+                <a:srgbClr val="FF0000"/>
+              </a:solidFill>
               <a:latin typeface="Monaco"/>
               <a:cs typeface="Monaco"/>
             </a:endParaRPr>
@@ -5237,6 +5317,9 @@
             </a:r>
             <a:r>
               <a:rPr lang="en-US" sz="1800" dirty="0" err="1" smtClean="0">
+                <a:solidFill>
+                  <a:srgbClr val="FF0000"/>
+                </a:solidFill>
                 <a:latin typeface="Monaco"/>
               </a:rPr>
               <a:t>http.request</a:t>
@@ -5255,12 +5338,18 @@
             </a:r>
             <a:r>
               <a:rPr lang="en-US" sz="2000" dirty="0" err="1" smtClean="0">
+                <a:solidFill>
+                  <a:srgbClr val="FF0000"/>
+                </a:solidFill>
                 <a:latin typeface="Monaco"/>
                 <a:cs typeface="Monaco"/>
               </a:rPr>
               <a:t>http.IncomingMessage</a:t>
             </a:r>
             <a:endParaRPr lang="en-US" sz="2000" dirty="0" smtClean="0">
+              <a:solidFill>
+                <a:srgbClr val="FF0000"/>
+              </a:solidFill>
               <a:latin typeface="Monaco"/>
               <a:cs typeface="Monaco"/>
             </a:endParaRPr>
@@ -5272,6 +5361,9 @@
             </a:r>
             <a:r>
               <a:rPr lang="en-US" sz="1800" dirty="0" err="1" smtClean="0">
+                <a:solidFill>
+                  <a:srgbClr val="FF0000"/>
+                </a:solidFill>
                 <a:latin typeface="Monaco"/>
               </a:rPr>
               <a:t>setHeader</a:t>
@@ -5288,6 +5380,9 @@
             </a:r>
             <a:r>
               <a:rPr lang="en-US" sz="1800" dirty="0" err="1" smtClean="0">
+                <a:solidFill>
+                  <a:srgbClr val="FF0000"/>
+                </a:solidFill>
                 <a:latin typeface="Monaco"/>
               </a:rPr>
               <a:t>getHeader</a:t>
@@ -5304,6 +5399,9 @@
             </a:r>
             <a:r>
               <a:rPr lang="en-US" sz="1800" dirty="0" err="1" smtClean="0">
+                <a:solidFill>
+                  <a:srgbClr val="FF0000"/>
+                </a:solidFill>
                 <a:latin typeface="Monaco"/>
               </a:rPr>
               <a:t>removeHeader</a:t>
@@ -5325,6 +5423,9 @@
             </a:br>
             <a:r>
               <a:rPr lang="en-US" sz="1800" dirty="0" err="1" smtClean="0">
+                <a:solidFill>
+                  <a:srgbClr val="FF0000"/>
+                </a:solidFill>
                 <a:latin typeface="Monaco"/>
               </a:rPr>
               <a:t>http.get</a:t>
@@ -7251,10 +7352,18 @@
               <a:t>Creating an HTTP server and performing client-side operations are straightforward in </a:t>
             </a:r>
             <a:r>
-              <a:rPr lang="en-US" dirty="0" err="1" smtClean="0"/>
+              <a:rPr lang="en-US" dirty="0" err="1" smtClean="0">
+                <a:solidFill>
+                  <a:srgbClr val="FF0000"/>
+                </a:solidFill>
+              </a:rPr>
               <a:t>node.js</a:t>
             </a:r>
-            <a:endParaRPr lang="en-US" dirty="0"/>
+            <a:endParaRPr lang="en-US" dirty="0">
+              <a:solidFill>
+                <a:srgbClr val="FF0000"/>
+              </a:solidFill>
+            </a:endParaRPr>
           </a:p>
           <a:p>
             <a:r>
@@ -7627,7 +7736,7 @@
             <a:r>
               <a:rPr lang="en-US" sz="1800" dirty="0">
                 <a:solidFill>
-                  <a:srgbClr val="000000"/>
+                  <a:srgbClr val="FF0000"/>
                 </a:solidFill>
                 <a:latin typeface="Monaco"/>
                 <a:cs typeface="Calibri" pitchFamily="34" charset="0"/>
@@ -7726,7 +7835,7 @@
             <a:r>
               <a:rPr lang="en-US" sz="1800" dirty="0" err="1">
                 <a:solidFill>
-                  <a:srgbClr val="000000"/>
+                  <a:srgbClr val="FF0000"/>
                 </a:solidFill>
                 <a:latin typeface="Monaco"/>
                 <a:cs typeface="Calibri" pitchFamily="34" charset="0"/>
@@ -8029,7 +8138,7 @@
             <a:r>
               <a:rPr lang="en-US" sz="1800" dirty="0" err="1">
                 <a:solidFill>
-                  <a:srgbClr val="000000"/>
+                  <a:srgbClr val="FF0000"/>
                 </a:solidFill>
                 <a:latin typeface="Monaco"/>
                 <a:cs typeface="Calibri" pitchFamily="34" charset="0"/>
@@ -8731,24 +8840,36 @@
             </a:r>
             <a:r>
               <a:rPr lang="en-US" sz="1800" dirty="0" err="1" smtClean="0">
+                <a:solidFill>
+                  <a:srgbClr val="FF0000"/>
+                </a:solidFill>
                 <a:latin typeface="Monaco"/>
               </a:rPr>
               <a:t>http.createServer</a:t>
             </a:r>
             <a:r>
               <a:rPr lang="en-US" sz="1800" dirty="0" smtClean="0">
+                <a:solidFill>
+                  <a:srgbClr val="FF0000"/>
+                </a:solidFill>
                 <a:latin typeface="Monaco"/>
               </a:rPr>
               <a:t>([</a:t>
             </a:r>
             <a:r>
               <a:rPr lang="en-US" sz="1800" dirty="0" err="1" smtClean="0">
+                <a:solidFill>
+                  <a:srgbClr val="FF0000"/>
+                </a:solidFill>
                 <a:latin typeface="Monaco"/>
               </a:rPr>
               <a:t>requestListener</a:t>
             </a:r>
             <a:r>
               <a:rPr lang="en-US" sz="1800" dirty="0" smtClean="0">
+                <a:solidFill>
+                  <a:srgbClr val="FF0000"/>
+                </a:solidFill>
                 <a:latin typeface="Monaco"/>
               </a:rPr>
               <a:t>])</a:t>
@@ -8761,12 +8882,18 @@
             </a:r>
             <a:r>
               <a:rPr lang="en-US" sz="2000" dirty="0" err="1" smtClean="0">
+                <a:solidFill>
+                  <a:srgbClr val="FF0000"/>
+                </a:solidFill>
                 <a:latin typeface="Monaco"/>
                 <a:cs typeface="Monaco"/>
               </a:rPr>
               <a:t>event.EventEmitter</a:t>
             </a:r>
             <a:endParaRPr lang="en-US" sz="2000" dirty="0" smtClean="0">
+              <a:solidFill>
+                <a:srgbClr val="FF0000"/>
+              </a:solidFill>
               <a:latin typeface="Monaco"/>
               <a:cs typeface="Monaco"/>
             </a:endParaRPr>
@@ -8781,6 +8908,9 @@
             </a:r>
             <a:r>
               <a:rPr lang="en-US" sz="2000" dirty="0" smtClean="0">
+                <a:solidFill>
+                  <a:srgbClr val="FF0000"/>
+                </a:solidFill>
                 <a:latin typeface="Monaco"/>
                 <a:cs typeface="Monaco"/>
               </a:rPr>
@@ -8813,6 +8943,9 @@
             </a:r>
             <a:r>
               <a:rPr lang="en-US" sz="1600" dirty="0">
+                <a:solidFill>
+                  <a:srgbClr val="FF0000"/>
+                </a:solidFill>
                 <a:latin typeface="Monaco"/>
                 <a:cs typeface="Monaco"/>
               </a:rPr>
@@ -8829,6 +8962,9 @@
             </a:r>
             <a:r>
               <a:rPr lang="en-US" sz="2000" dirty="0" smtClean="0">
+                <a:solidFill>
+                  <a:srgbClr val="FF0000"/>
+                </a:solidFill>
                 <a:latin typeface="Monaco"/>
                 <a:cs typeface="Monaco"/>
               </a:rPr>
@@ -8870,17 +9006,27 @@
           <a:p>
             <a:r>
               <a:rPr lang="en-US" sz="1800" dirty="0">
+                <a:solidFill>
+                  <a:srgbClr val="FF0000"/>
+                </a:solidFill>
                 <a:latin typeface="Monaco"/>
               </a:rPr>
               <a:t>listen(port, [hostname], [backlog], [callback]</a:t>
             </a:r>
             <a:r>
               <a:rPr lang="en-US" sz="1800" dirty="0" smtClean="0">
+                <a:solidFill>
+                  <a:srgbClr val="FF0000"/>
+                </a:solidFill>
                 <a:latin typeface="Monaco"/>
               </a:rPr>
               <a:t>)</a:t>
             </a:r>
-            <a:endParaRPr lang="en-US" dirty="0" smtClean="0"/>
+            <a:endParaRPr lang="en-US" dirty="0" smtClean="0">
+              <a:solidFill>
+                <a:srgbClr val="FF0000"/>
+              </a:solidFill>
+            </a:endParaRPr>
           </a:p>
           <a:p>
             <a:pPr lvl="1"/>
@@ -9013,6 +9159,9 @@
           <a:p>
             <a:r>
               <a:rPr lang="en-US" sz="2000" dirty="0" err="1" smtClean="0">
+                <a:solidFill>
+                  <a:srgbClr val="FF0000"/>
+                </a:solidFill>
                 <a:latin typeface="Monaco"/>
                 <a:cs typeface="Monaco"/>
               </a:rPr>
@@ -9024,12 +9173,18 @@
             </a:r>
             <a:r>
               <a:rPr lang="en-US" sz="2000" dirty="0" err="1" smtClean="0">
+                <a:solidFill>
+                  <a:srgbClr val="FF0000"/>
+                </a:solidFill>
                 <a:latin typeface="Monaco"/>
                 <a:cs typeface="Monaco"/>
               </a:rPr>
               <a:t>stream.Writeable</a:t>
             </a:r>
             <a:endParaRPr lang="en-US" sz="2000" dirty="0" smtClean="0">
+              <a:solidFill>
+                <a:srgbClr val="FF0000"/>
+              </a:solidFill>
               <a:latin typeface="Monaco"/>
               <a:cs typeface="Monaco"/>
             </a:endParaRPr>
@@ -9043,14 +9198,25 @@
           <a:p>
             <a:r>
               <a:rPr lang="en-US" sz="2000" dirty="0" err="1" smtClean="0">
+                <a:solidFill>
+                  <a:srgbClr val="FF0000"/>
+                </a:solidFill>
                 <a:latin typeface="Monaco"/>
                 <a:cs typeface="Monaco"/>
               </a:rPr>
               <a:t>statusCode</a:t>
             </a:r>
             <a:r>
+              <a:rPr lang="en-US" dirty="0" smtClean="0">
+                <a:solidFill>
+                  <a:srgbClr val="FF0000"/>
+                </a:solidFill>
+              </a:rPr>
+              <a:t> </a:t>
+            </a:r>
+            <a:r>
               <a:rPr lang="en-US" dirty="0" smtClean="0"/>
-              <a:t> property—implicit headers</a:t>
+              <a:t>property—implicit headers</a:t>
             </a:r>
           </a:p>
           <a:p>
@@ -9077,6 +9243,9 @@
             </a:br>
             <a:r>
               <a:rPr lang="en-US" sz="1800" dirty="0" err="1" smtClean="0">
+                <a:solidFill>
+                  <a:srgbClr val="FF0000"/>
+                </a:solidFill>
                 <a:latin typeface="Monaco"/>
               </a:rPr>
               <a:t>response.statusCode</a:t>
@@ -9099,12 +9268,18 @@
           <a:p>
             <a:r>
               <a:rPr lang="en-US" sz="1800" dirty="0" err="1" smtClean="0">
+                <a:solidFill>
+                  <a:srgbClr val="FF0000"/>
+                </a:solidFill>
                 <a:latin typeface="Monaco"/>
               </a:rPr>
               <a:t>response.setHeader</a:t>
             </a:r>
             <a:r>
               <a:rPr lang="en-US" sz="1800" dirty="0" smtClean="0">
+                <a:solidFill>
+                  <a:srgbClr val="FF0000"/>
+                </a:solidFill>
                 <a:latin typeface="Monaco"/>
               </a:rPr>
               <a:t>(name, value)</a:t>
@@ -9138,6 +9313,9 @@
             </a:br>
             <a:r>
               <a:rPr lang="en-US" sz="1800" dirty="0" err="1">
+                <a:solidFill>
+                  <a:srgbClr val="FF0000"/>
+                </a:solidFill>
                 <a:latin typeface="Monaco"/>
               </a:rPr>
               <a:t>response.setHeader</a:t>
@@ -9325,6 +9503,9 @@
             <a:pPr lvl="0"/>
             <a:r>
               <a:rPr lang="en-US" sz="1800" dirty="0" err="1">
+                <a:solidFill>
+                  <a:srgbClr val="FF0000"/>
+                </a:solidFill>
                 <a:latin typeface="Monaco"/>
               </a:rPr>
               <a:t>response.removeHeader</a:t>
@@ -9350,6 +9531,9 @@
             <a:pPr lvl="0"/>
             <a:r>
               <a:rPr lang="en-US" sz="1800" dirty="0" err="1">
+                <a:solidFill>
+                  <a:srgbClr val="FF0000"/>
+                </a:solidFill>
                 <a:latin typeface="Monaco"/>
               </a:rPr>
               <a:t>response.getHeader</a:t>
@@ -9371,6 +9555,9 @@
           <a:p>
             <a:r>
               <a:rPr lang="en-US" sz="1800" dirty="0" err="1">
+                <a:solidFill>
+                  <a:srgbClr val="FF0000"/>
+                </a:solidFill>
                 <a:latin typeface="Monaco"/>
               </a:rPr>
               <a:t>response.writeHead</a:t>
@@ -9425,6 +9612,9 @@
             </a:br>
             <a:r>
               <a:rPr lang="en-US" sz="1800" dirty="0" err="1">
+                <a:solidFill>
+                  <a:srgbClr val="FF0000"/>
+                </a:solidFill>
                 <a:latin typeface="Monaco"/>
               </a:rPr>
               <a:t>response.writeHead</a:t>
@@ -9575,6 +9765,9 @@
           <a:p>
             <a:r>
               <a:rPr lang="en-US" sz="1800" dirty="0" err="1">
+                <a:solidFill>
+                  <a:srgbClr val="FF0000"/>
+                </a:solidFill>
                 <a:latin typeface="Monaco"/>
               </a:rPr>
               <a:t>response.write</a:t>
@@ -9611,12 +9804,36 @@
           <a:p>
             <a:pPr lvl="1"/>
             <a:r>
-              <a:rPr lang="en-US" i="1" dirty="0"/>
+              <a:rPr lang="en-US" i="1" dirty="0">
+                <a:solidFill>
+                  <a:srgbClr val="FF0000"/>
+                </a:solidFill>
+              </a:rPr>
               <a:t>encoding</a:t>
             </a:r>
             <a:r>
+              <a:rPr lang="en-US" dirty="0">
+                <a:solidFill>
+                  <a:srgbClr val="FF0000"/>
+                </a:solidFill>
+              </a:rPr>
+              <a:t> </a:t>
+            </a:r>
+            <a:r>
               <a:rPr lang="en-US" dirty="0"/>
-              <a:t> can be specified if chunk is a string—default is 'utf8'</a:t>
+              <a:t>can be specified if chunk is a string—default is '</a:t>
+            </a:r>
+            <a:r>
+              <a:rPr lang="en-US" dirty="0">
+                <a:solidFill>
+                  <a:srgbClr val="FF0000"/>
+                </a:solidFill>
+              </a:rPr>
+              <a:t>utf8</a:t>
+            </a:r>
+            <a:r>
+              <a:rPr lang="en-US" dirty="0"/>
+              <a:t>'</a:t>
             </a:r>
           </a:p>
           <a:p>
@@ -9644,6 +9861,9 @@
           <a:p>
             <a:r>
               <a:rPr lang="en-US" sz="1800" dirty="0" err="1" smtClean="0">
+                <a:solidFill>
+                  <a:srgbClr val="FF0000"/>
+                </a:solidFill>
                 <a:latin typeface="Monaco"/>
               </a:rPr>
               <a:t>response.end</a:t>
@@ -9678,6 +9898,9 @@
             </a:r>
             <a:r>
               <a:rPr lang="en-US" sz="1600" dirty="0" err="1">
+                <a:solidFill>
+                  <a:srgbClr val="FF0000"/>
+                </a:solidFill>
                 <a:latin typeface="Monaco"/>
                 <a:cs typeface="Monaco"/>
               </a:rPr>
@@ -9696,6 +9919,9 @@
             </a:r>
             <a:r>
               <a:rPr lang="en-US" sz="1600" dirty="0" err="1">
+                <a:solidFill>
+                  <a:srgbClr val="FF0000"/>
+                </a:solidFill>
                 <a:latin typeface="Monaco"/>
                 <a:cs typeface="Monaco"/>
               </a:rPr>
@@ -9883,12 +10109,18 @@
             </a:r>
             <a:r>
               <a:rPr lang="en-US" sz="2000" dirty="0" err="1" smtClean="0">
+                <a:solidFill>
+                  <a:srgbClr val="FF0000"/>
+                </a:solidFill>
                 <a:latin typeface="Monaco"/>
                 <a:cs typeface="Monaco"/>
               </a:rPr>
               <a:t>stream.Readable</a:t>
             </a:r>
             <a:endParaRPr lang="en-US" sz="2000" dirty="0" smtClean="0">
+              <a:solidFill>
+                <a:srgbClr val="FF0000"/>
+              </a:solidFill>
               <a:latin typeface="Monaco"/>
               <a:cs typeface="Monaco"/>
             </a:endParaRPr>
@@ -9902,7 +10134,11 @@
           <a:p>
             <a:pPr lvl="1"/>
             <a:r>
-              <a:rPr lang="en-US" dirty="0" err="1" smtClean="0"/>
+              <a:rPr lang="en-US" dirty="0" err="1" smtClean="0">
+                <a:solidFill>
+                  <a:srgbClr val="FF0000"/>
+                </a:solidFill>
+              </a:rPr>
               <a:t>httpVersion</a:t>
             </a:r>
             <a:r>
@@ -9926,8 +10162,16 @@
           <a:p>
             <a:pPr lvl="1"/>
             <a:r>
+              <a:rPr lang="en-US" dirty="0" smtClean="0">
+                <a:solidFill>
+                  <a:srgbClr val="FF0000"/>
+                </a:solidFill>
+              </a:rPr>
+              <a:t>headers</a:t>
+            </a:r>
+            <a:r>
               <a:rPr lang="en-US" dirty="0" smtClean="0"/>
-              <a:t>headers—</a:t>
+              <a:t>—</a:t>
             </a:r>
             <a:r>
               <a:rPr lang="en-US" sz="1600" dirty="0">
@@ -9954,8 +10198,16 @@
           <a:p>
             <a:pPr lvl="1"/>
             <a:r>
+              <a:rPr lang="en-US" dirty="0" smtClean="0">
+                <a:solidFill>
+                  <a:srgbClr val="FF0000"/>
+                </a:solidFill>
+              </a:rPr>
+              <a:t>method</a:t>
+            </a:r>
+            <a:r>
               <a:rPr lang="en-US" dirty="0" smtClean="0"/>
-              <a:t>method—</a:t>
+              <a:t>—</a:t>
             </a:r>
             <a:r>
               <a:rPr lang="en-US" sz="1600" dirty="0">
@@ -9998,7 +10250,11 @@
           <a:p>
             <a:pPr lvl="1"/>
             <a:r>
-              <a:rPr lang="en-US" dirty="0" err="1" smtClean="0"/>
+              <a:rPr lang="en-US" dirty="0" err="1" smtClean="0">
+                <a:solidFill>
+                  <a:srgbClr val="FF0000"/>
+                </a:solidFill>
+              </a:rPr>
               <a:t>url</a:t>
             </a:r>
             <a:r>
